--- a/best_algorithm_selection/project-overview.pptx
+++ b/best_algorithm_selection/project-overview.pptx
@@ -8117,7 +8117,7 @@
               <a:rPr lang="en" sz="1400" u="sng">
                 <a:hlinkClick r:id="rId3"/>
               </a:rPr>
-              <a:t>https://github.com/Surabhi0901</a:t>
+              <a:t>https://github.com/surabhi0901</a:t>
             </a:r>
             <a:endParaRPr sz="1400"/>
           </a:p>
